--- a/Diapo.pptx
+++ b/Diapo.pptx
@@ -5,7 +5,7 @@
     <p:sldMasterId id="2147483912" r:id="rId1"/>
   </p:sldMasterIdLst>
   <p:notesMasterIdLst>
-    <p:notesMasterId r:id="rId14"/>
+    <p:notesMasterId r:id="rId15"/>
   </p:notesMasterIdLst>
   <p:sldIdLst>
     <p:sldId id="256" r:id="rId2"/>
@@ -17,9 +17,10 @@
     <p:sldId id="261" r:id="rId8"/>
     <p:sldId id="262" r:id="rId9"/>
     <p:sldId id="263" r:id="rId10"/>
-    <p:sldId id="264" r:id="rId11"/>
-    <p:sldId id="265" r:id="rId12"/>
-    <p:sldId id="266" r:id="rId13"/>
+    <p:sldId id="269" r:id="rId11"/>
+    <p:sldId id="264" r:id="rId12"/>
+    <p:sldId id="265" r:id="rId13"/>
+    <p:sldId id="266" r:id="rId14"/>
   </p:sldIdLst>
   <p:sldSz cx="9144000" cy="6858000" type="screen4x3"/>
   <p:notesSz cx="6858000" cy="9144000"/>
@@ -537,6 +538,90 @@
             <a:fld id="{710BAF18-77E3-AD47-9DE4-111BB4BD5D65}" type="slidenum">
               <a:rPr lang="fr-FR" smtClean="0"/>
               <a:t>3</a:t>
+            </a:fld>
+            <a:endParaRPr lang="fr-FR"/>
+          </a:p>
+        </p:txBody>
+      </p:sp>
+    </p:spTree>
+    <p:extLst>
+      <p:ext uri="{BB962C8B-B14F-4D97-AF65-F5344CB8AC3E}">
+        <p14:creationId xmlns:p14="http://schemas.microsoft.com/office/powerpoint/2010/main" val="2862121370"/>
+      </p:ext>
+    </p:extLst>
+  </p:cSld>
+  <p:clrMapOvr>
+    <a:masterClrMapping/>
+  </p:clrMapOvr>
+</p:notes>
+</file>
+
+<file path=ppt/notesSlides/notesSlide10.xml><?xml version="1.0" encoding="utf-8"?>
+<p:notes xmlns:a="http://schemas.openxmlformats.org/drawingml/2006/main" xmlns:r="http://schemas.openxmlformats.org/officeDocument/2006/relationships" xmlns:p="http://schemas.openxmlformats.org/presentationml/2006/main">
+  <p:cSld>
+    <p:spTree>
+      <p:nvGrpSpPr>
+        <p:cNvPr id="1" name=""/>
+        <p:cNvGrpSpPr/>
+        <p:nvPr/>
+      </p:nvGrpSpPr>
+      <p:grpSpPr>
+        <a:xfrm>
+          <a:off x="0" y="0"/>
+          <a:ext cx="0" cy="0"/>
+          <a:chOff x="0" y="0"/>
+          <a:chExt cx="0" cy="0"/>
+        </a:xfrm>
+      </p:grpSpPr>
+      <p:sp>
+        <p:nvSpPr>
+          <p:cNvPr id="2" name="Espace réservé de l'image des diapositives 1"/>
+          <p:cNvSpPr>
+            <a:spLocks noGrp="1" noRot="1" noChangeAspect="1"/>
+          </p:cNvSpPr>
+          <p:nvPr>
+            <p:ph type="sldImg"/>
+          </p:nvPr>
+        </p:nvSpPr>
+        <p:spPr/>
+      </p:sp>
+      <p:sp>
+        <p:nvSpPr>
+          <p:cNvPr id="3" name="Espace réservé des commentaires 2"/>
+          <p:cNvSpPr>
+            <a:spLocks noGrp="1"/>
+          </p:cNvSpPr>
+          <p:nvPr>
+            <p:ph type="body" idx="1"/>
+          </p:nvPr>
+        </p:nvSpPr>
+        <p:spPr/>
+        <p:txBody>
+          <a:bodyPr/>
+          <a:lstStyle/>
+          <a:p>
+            <a:endParaRPr lang="fr-FR" baseline="0" dirty="0" smtClean="0"/>
+          </a:p>
+        </p:txBody>
+      </p:sp>
+      <p:sp>
+        <p:nvSpPr>
+          <p:cNvPr id="4" name="Espace réservé du numéro de diapositive 3"/>
+          <p:cNvSpPr>
+            <a:spLocks noGrp="1"/>
+          </p:cNvSpPr>
+          <p:nvPr>
+            <p:ph type="sldNum" sz="quarter" idx="10"/>
+          </p:nvPr>
+        </p:nvSpPr>
+        <p:spPr/>
+        <p:txBody>
+          <a:bodyPr/>
+          <a:lstStyle/>
+          <a:p>
+            <a:fld id="{710BAF18-77E3-AD47-9DE4-111BB4BD5D65}" type="slidenum">
+              <a:rPr lang="fr-FR" smtClean="0"/>
+              <a:t>12</a:t>
             </a:fld>
             <a:endParaRPr lang="fr-FR"/>
           </a:p>
@@ -4776,6 +4861,209 @@
         </p:nvSpPr>
         <p:spPr>
           <a:xfrm>
+            <a:off x="480290" y="314355"/>
+            <a:ext cx="8455891" cy="736282"/>
+          </a:xfrm>
+        </p:spPr>
+        <p:txBody>
+          <a:bodyPr>
+            <a:normAutofit fontScale="90000"/>
+          </a:bodyPr>
+          <a:lstStyle/>
+          <a:p>
+            <a:r>
+              <a:rPr lang="fr-FR" sz="3200" cap="none" dirty="0" smtClean="0"/>
+              <a:t>D</a:t>
+            </a:r>
+            <a:r>
+              <a:rPr lang="fr-FR" sz="3200" cap="none" dirty="0" smtClean="0"/>
+              <a:t>ÉTAIL JOURNÉE  </a:t>
+            </a:r>
+            <a:r>
+              <a:rPr lang="fr-FR" sz="3200" cap="none" dirty="0" smtClean="0"/>
+              <a:t>(</a:t>
+            </a:r>
+            <a:r>
+              <a:rPr lang="fr-FR" sz="3200" cap="none" dirty="0" err="1"/>
+              <a:t>DetailHistoryActivity</a:t>
+            </a:r>
+            <a:r>
+              <a:rPr lang="fr-FR" sz="3200" cap="none" dirty="0"/>
+              <a:t>)</a:t>
+            </a:r>
+            <a:r>
+              <a:rPr lang="fr-FR" sz="3200" cap="none" dirty="0" smtClean="0"/>
+              <a:t>	</a:t>
+            </a:r>
+            <a:endParaRPr lang="fr-FR" sz="3200" cap="none" dirty="0"/>
+          </a:p>
+        </p:txBody>
+      </p:sp>
+      <p:sp>
+        <p:nvSpPr>
+          <p:cNvPr id="9" name="ZoneTexte 8"/>
+          <p:cNvSpPr txBox="1"/>
+          <p:nvPr/>
+        </p:nvSpPr>
+        <p:spPr>
+          <a:xfrm>
+            <a:off x="738909" y="1502687"/>
+            <a:ext cx="3452091" cy="2862323"/>
+          </a:xfrm>
+          <a:prstGeom prst="rect">
+            <a:avLst/>
+          </a:prstGeom>
+          <a:noFill/>
+        </p:spPr>
+        <p:txBody>
+          <a:bodyPr wrap="square" rtlCol="0">
+            <a:spAutoFit/>
+          </a:bodyPr>
+          <a:lstStyle/>
+          <a:p>
+            <a:pPr marL="285750" indent="-285750">
+              <a:buFont typeface="Arial"/>
+              <a:buChar char="•"/>
+            </a:pPr>
+            <a:r>
+              <a:rPr lang="fr-FR" dirty="0"/>
+              <a:t>Lorsqu’on clique sur </a:t>
+            </a:r>
+            <a:r>
+              <a:rPr lang="fr-FR" dirty="0" smtClean="0"/>
+              <a:t>une journée dans </a:t>
+            </a:r>
+            <a:r>
+              <a:rPr lang="fr-FR" dirty="0"/>
+              <a:t>la liste, </a:t>
+            </a:r>
+            <a:r>
+              <a:rPr lang="fr-FR" dirty="0" smtClean="0"/>
+              <a:t>le détail de la journée s’affiche avec comme titre de l’activité la date de la journée.</a:t>
+            </a:r>
+            <a:endParaRPr lang="fr-FR" dirty="0"/>
+          </a:p>
+          <a:p>
+            <a:pPr marL="285750" indent="-285750">
+              <a:buFont typeface="Arial"/>
+              <a:buChar char="•"/>
+            </a:pPr>
+            <a:r>
+              <a:rPr lang="fr-FR" b="1" dirty="0" err="1" smtClean="0"/>
+              <a:t>EditText</a:t>
+            </a:r>
+            <a:r>
+              <a:rPr lang="fr-FR" dirty="0" smtClean="0"/>
+              <a:t> qui contient tous les critères avec leur nom, notes et descriptions</a:t>
+            </a:r>
+          </a:p>
+          <a:p>
+            <a:pPr marL="285750" indent="-285750">
+              <a:buFont typeface="Arial"/>
+              <a:buChar char="•"/>
+            </a:pPr>
+            <a:r>
+              <a:rPr lang="fr-FR" b="1" dirty="0" err="1" smtClean="0"/>
+              <a:t>RatingBar</a:t>
+            </a:r>
+            <a:r>
+              <a:rPr lang="fr-FR" dirty="0" smtClean="0"/>
+              <a:t> la note de la journée</a:t>
+            </a:r>
+          </a:p>
+        </p:txBody>
+      </p:sp>
+      <p:pic>
+        <p:nvPicPr>
+          <p:cNvPr id="3" name="Image 2"/>
+          <p:cNvPicPr>
+            <a:picLocks noChangeAspect="1"/>
+          </p:cNvPicPr>
+          <p:nvPr/>
+        </p:nvPicPr>
+        <p:blipFill>
+          <a:blip r:embed="rId3">
+            <a:extLst>
+              <a:ext uri="{28A0092B-C50C-407E-A947-70E740481C1C}">
+                <a14:useLocalDpi xmlns:a14="http://schemas.microsoft.com/office/drawing/2010/main" val="0"/>
+              </a:ext>
+            </a:extLst>
+          </a:blip>
+          <a:stretch>
+            <a:fillRect/>
+          </a:stretch>
+        </p:blipFill>
+        <p:spPr>
+          <a:xfrm>
+            <a:off x="5127337" y="1197090"/>
+            <a:ext cx="3256212" cy="5256371"/>
+          </a:xfrm>
+          <a:prstGeom prst="rect">
+            <a:avLst/>
+          </a:prstGeom>
+        </p:spPr>
+      </p:pic>
+    </p:spTree>
+    <p:extLst>
+      <p:ext uri="{BB962C8B-B14F-4D97-AF65-F5344CB8AC3E}">
+        <p14:creationId xmlns:p14="http://schemas.microsoft.com/office/powerpoint/2010/main" val="3960502152"/>
+      </p:ext>
+    </p:extLst>
+  </p:cSld>
+  <p:clrMapOvr>
+    <a:masterClrMapping/>
+  </p:clrMapOvr>
+  <mc:AlternateContent xmlns:mc="http://schemas.openxmlformats.org/markup-compatibility/2006">
+    <mc:Choice xmlns:p14="http://schemas.microsoft.com/office/powerpoint/2010/main" Requires="p14">
+      <p:transition spd="slow" p14:dur="3400">
+        <p14:reveal dir="r"/>
+      </p:transition>
+    </mc:Choice>
+    <mc:Fallback>
+      <p:transition xmlns:p14="http://schemas.microsoft.com/office/powerpoint/2010/main" spd="slow">
+        <p:fade/>
+      </p:transition>
+    </mc:Fallback>
+  </mc:AlternateContent>
+  <p:timing>
+    <p:tnLst>
+      <p:par>
+        <p:cTn xmlns:p14="http://schemas.microsoft.com/office/powerpoint/2010/main" id="1" dur="indefinite" restart="never" nodeType="tmRoot"/>
+      </p:par>
+    </p:tnLst>
+  </p:timing>
+</p:sld>
+</file>
+
+<file path=ppt/slides/slide11.xml><?xml version="1.0" encoding="utf-8"?>
+<p:sld xmlns:a="http://schemas.openxmlformats.org/drawingml/2006/main" xmlns:r="http://schemas.openxmlformats.org/officeDocument/2006/relationships" xmlns:p="http://schemas.openxmlformats.org/presentationml/2006/main">
+  <p:cSld>
+    <p:spTree>
+      <p:nvGrpSpPr>
+        <p:cNvPr id="1" name=""/>
+        <p:cNvGrpSpPr/>
+        <p:nvPr/>
+      </p:nvGrpSpPr>
+      <p:grpSpPr>
+        <a:xfrm>
+          <a:off x="0" y="0"/>
+          <a:ext cx="0" cy="0"/>
+          <a:chOff x="0" y="0"/>
+          <a:chExt cx="0" cy="0"/>
+        </a:xfrm>
+      </p:grpSpPr>
+      <p:sp>
+        <p:nvSpPr>
+          <p:cNvPr id="2" name="Titre 1"/>
+          <p:cNvSpPr>
+            <a:spLocks noGrp="1"/>
+          </p:cNvSpPr>
+          <p:nvPr>
+            <p:ph type="title"/>
+          </p:nvPr>
+        </p:nvSpPr>
+        <p:spPr>
+          <a:xfrm>
             <a:off x="457200" y="152718"/>
             <a:ext cx="7832436" cy="978737"/>
           </a:xfrm>
@@ -4943,7 +5231,7 @@
 </p:sld>
 </file>
 
-<file path=ppt/slides/slide11.xml><?xml version="1.0" encoding="utf-8"?>
+<file path=ppt/slides/slide12.xml><?xml version="1.0" encoding="utf-8"?>
 <p:sld xmlns:a="http://schemas.openxmlformats.org/drawingml/2006/main" xmlns:r="http://schemas.openxmlformats.org/officeDocument/2006/relationships" xmlns:p="http://schemas.openxmlformats.org/presentationml/2006/main">
   <p:cSld>
     <p:spTree>
@@ -5116,7 +5404,7 @@
 </p:sld>
 </file>
 
-<file path=ppt/slides/slide12.xml><?xml version="1.0" encoding="utf-8"?>
+<file path=ppt/slides/slide13.xml><?xml version="1.0" encoding="utf-8"?>
 <p:sld xmlns:a="http://schemas.openxmlformats.org/drawingml/2006/main" xmlns:r="http://schemas.openxmlformats.org/officeDocument/2006/relationships" xmlns:p="http://schemas.openxmlformats.org/presentationml/2006/main">
   <p:cSld>
     <p:spTree>

--- a/Diapo.pptx
+++ b/Diapo.pptx
@@ -5,7 +5,7 @@
     <p:sldMasterId id="2147483912" r:id="rId1"/>
   </p:sldMasterIdLst>
   <p:notesMasterIdLst>
-    <p:notesMasterId r:id="rId15"/>
+    <p:notesMasterId r:id="rId16"/>
   </p:notesMasterIdLst>
   <p:sldIdLst>
     <p:sldId id="256" r:id="rId2"/>
@@ -13,14 +13,15 @@
     <p:sldId id="259" r:id="rId4"/>
     <p:sldId id="258" r:id="rId5"/>
     <p:sldId id="268" r:id="rId6"/>
-    <p:sldId id="267" r:id="rId7"/>
-    <p:sldId id="261" r:id="rId8"/>
-    <p:sldId id="262" r:id="rId9"/>
-    <p:sldId id="263" r:id="rId10"/>
-    <p:sldId id="269" r:id="rId11"/>
-    <p:sldId id="264" r:id="rId12"/>
-    <p:sldId id="265" r:id="rId13"/>
-    <p:sldId id="266" r:id="rId14"/>
+    <p:sldId id="270" r:id="rId7"/>
+    <p:sldId id="267" r:id="rId8"/>
+    <p:sldId id="261" r:id="rId9"/>
+    <p:sldId id="262" r:id="rId10"/>
+    <p:sldId id="263" r:id="rId11"/>
+    <p:sldId id="269" r:id="rId12"/>
+    <p:sldId id="264" r:id="rId13"/>
+    <p:sldId id="265" r:id="rId14"/>
+    <p:sldId id="266" r:id="rId15"/>
   </p:sldIdLst>
   <p:sldSz cx="9144000" cy="6858000" type="screen4x3"/>
   <p:notesSz cx="6858000" cy="9144000"/>
@@ -204,7 +205,7 @@
           <a:p>
             <a:fld id="{D88EB3B2-E5C5-E14B-8DE4-50FFD456DF53}" type="datetimeFigureOut">
               <a:rPr lang="fr-FR" smtClean="0"/>
-              <a:t>01/01/17</a:t>
+              <a:t>02/01/17</a:t>
             </a:fld>
             <a:endParaRPr lang="fr-FR"/>
           </a:p>
@@ -640,6 +641,90 @@
 </p:notes>
 </file>
 
+<file path=ppt/notesSlides/notesSlide11.xml><?xml version="1.0" encoding="utf-8"?>
+<p:notes xmlns:a="http://schemas.openxmlformats.org/drawingml/2006/main" xmlns:r="http://schemas.openxmlformats.org/officeDocument/2006/relationships" xmlns:p="http://schemas.openxmlformats.org/presentationml/2006/main">
+  <p:cSld>
+    <p:spTree>
+      <p:nvGrpSpPr>
+        <p:cNvPr id="1" name=""/>
+        <p:cNvGrpSpPr/>
+        <p:nvPr/>
+      </p:nvGrpSpPr>
+      <p:grpSpPr>
+        <a:xfrm>
+          <a:off x="0" y="0"/>
+          <a:ext cx="0" cy="0"/>
+          <a:chOff x="0" y="0"/>
+          <a:chExt cx="0" cy="0"/>
+        </a:xfrm>
+      </p:grpSpPr>
+      <p:sp>
+        <p:nvSpPr>
+          <p:cNvPr id="2" name="Espace réservé de l'image des diapositives 1"/>
+          <p:cNvSpPr>
+            <a:spLocks noGrp="1" noRot="1" noChangeAspect="1"/>
+          </p:cNvSpPr>
+          <p:nvPr>
+            <p:ph type="sldImg"/>
+          </p:nvPr>
+        </p:nvSpPr>
+        <p:spPr/>
+      </p:sp>
+      <p:sp>
+        <p:nvSpPr>
+          <p:cNvPr id="3" name="Espace réservé des commentaires 2"/>
+          <p:cNvSpPr>
+            <a:spLocks noGrp="1"/>
+          </p:cNvSpPr>
+          <p:nvPr>
+            <p:ph type="body" idx="1"/>
+          </p:nvPr>
+        </p:nvSpPr>
+        <p:spPr/>
+        <p:txBody>
+          <a:bodyPr/>
+          <a:lstStyle/>
+          <a:p>
+            <a:endParaRPr lang="fr-FR" baseline="0" dirty="0" smtClean="0"/>
+          </a:p>
+        </p:txBody>
+      </p:sp>
+      <p:sp>
+        <p:nvSpPr>
+          <p:cNvPr id="4" name="Espace réservé du numéro de diapositive 3"/>
+          <p:cNvSpPr>
+            <a:spLocks noGrp="1"/>
+          </p:cNvSpPr>
+          <p:nvPr>
+            <p:ph type="sldNum" sz="quarter" idx="10"/>
+          </p:nvPr>
+        </p:nvSpPr>
+        <p:spPr/>
+        <p:txBody>
+          <a:bodyPr/>
+          <a:lstStyle/>
+          <a:p>
+            <a:fld id="{710BAF18-77E3-AD47-9DE4-111BB4BD5D65}" type="slidenum">
+              <a:rPr lang="fr-FR" smtClean="0"/>
+              <a:t>13</a:t>
+            </a:fld>
+            <a:endParaRPr lang="fr-FR"/>
+          </a:p>
+        </p:txBody>
+      </p:sp>
+    </p:spTree>
+    <p:extLst>
+      <p:ext uri="{BB962C8B-B14F-4D97-AF65-F5344CB8AC3E}">
+        <p14:creationId xmlns:p14="http://schemas.microsoft.com/office/powerpoint/2010/main" val="2862121370"/>
+      </p:ext>
+    </p:extLst>
+  </p:cSld>
+  <p:clrMapOvr>
+    <a:masterClrMapping/>
+  </p:clrMapOvr>
+</p:notes>
+</file>
+
 <file path=ppt/notesSlides/notesSlide2.xml><?xml version="1.0" encoding="utf-8"?>
 <p:notes xmlns:a="http://schemas.openxmlformats.org/drawingml/2006/main" xmlns:r="http://schemas.openxmlformats.org/officeDocument/2006/relationships" xmlns:p="http://schemas.openxmlformats.org/presentationml/2006/main">
   <p:cSld>
@@ -1506,7 +1591,7 @@
             <a:fld id="{451DEABC-D766-4322-8E78-B830FAE35C72}" type="datetime4">
               <a:rPr lang="en-US" smtClean="0"/>
               <a:pPr/>
-              <a:t>janvier 1, 2017</a:t>
+              <a:t>janvier 2, 2017</a:t>
             </a:fld>
             <a:endParaRPr lang="en-US" dirty="0"/>
           </a:p>
@@ -1773,7 +1858,7 @@
             <a:fld id="{F3131F9E-604E-4343-9F29-EF72E8231CAD}" type="datetime4">
               <a:rPr lang="en-US" smtClean="0"/>
               <a:pPr/>
-              <a:t>janvier 1, 2017</a:t>
+              <a:t>janvier 2, 2017</a:t>
             </a:fld>
             <a:endParaRPr lang="en-US"/>
           </a:p>
@@ -1950,7 +2035,7 @@
             <a:fld id="{34A8E1CE-37F8-4102-8DF9-852A0A51F293}" type="datetime4">
               <a:rPr lang="en-US" smtClean="0"/>
               <a:pPr/>
-              <a:t>janvier 1, 2017</a:t>
+              <a:t>janvier 2, 2017</a:t>
             </a:fld>
             <a:endParaRPr lang="en-US"/>
           </a:p>
@@ -2117,7 +2202,7 @@
             <a:fld id="{93333F43-3E86-47E4-BFBB-2476D384E1C6}" type="datetime4">
               <a:rPr lang="en-US" smtClean="0"/>
               <a:pPr/>
-              <a:t>janvier 1, 2017</a:t>
+              <a:t>janvier 2, 2017</a:t>
             </a:fld>
             <a:endParaRPr lang="en-US"/>
           </a:p>
@@ -2368,7 +2453,7 @@
             <a:fld id="{751663BA-01FC-4367-B6F3-ABB2645D55F1}" type="datetime4">
               <a:rPr lang="en-US" smtClean="0"/>
               <a:pPr/>
-              <a:t>janvier 1, 2017</a:t>
+              <a:t>janvier 2, 2017</a:t>
             </a:fld>
             <a:endParaRPr lang="en-US" dirty="0"/>
           </a:p>
@@ -2653,7 +2738,7 @@
             <a:fld id="{79B19C71-EC74-44AF-B27E-FC7DC3C3A61D}" type="datetime4">
               <a:rPr lang="en-US" smtClean="0"/>
               <a:pPr/>
-              <a:t>janvier 1, 2017</a:t>
+              <a:t>janvier 2, 2017</a:t>
             </a:fld>
             <a:endParaRPr lang="en-US"/>
           </a:p>
@@ -3094,7 +3179,7 @@
             <a:fld id="{6A5CDA29-3CBE-48EA-92AE-A996835462BA}" type="datetime4">
               <a:rPr lang="en-US" smtClean="0"/>
               <a:pPr/>
-              <a:t>janvier 1, 2017</a:t>
+              <a:t>janvier 2, 2017</a:t>
             </a:fld>
             <a:endParaRPr lang="en-US"/>
           </a:p>
@@ -3209,7 +3294,7 @@
             <a:fld id="{E29EC054-3869-4501-B163-1BBFDE8DCE04}" type="datetime4">
               <a:rPr lang="en-US" smtClean="0"/>
               <a:pPr/>
-              <a:t>janvier 1, 2017</a:t>
+              <a:t>janvier 2, 2017</a:t>
             </a:fld>
             <a:endParaRPr lang="en-US"/>
           </a:p>
@@ -3301,7 +3386,7 @@
             <a:fld id="{0A63D831-56C1-49CF-8EF7-8B9A98402BCD}" type="datetime4">
               <a:rPr lang="en-US" smtClean="0"/>
               <a:pPr/>
-              <a:t>janvier 1, 2017</a:t>
+              <a:t>janvier 2, 2017</a:t>
             </a:fld>
             <a:endParaRPr lang="en-US"/>
           </a:p>
@@ -3545,7 +3630,7 @@
             <a:fld id="{6EAD5615-7F4F-4584-84D5-CC95918C321F}" type="datetime4">
               <a:rPr lang="en-US" smtClean="0"/>
               <a:pPr/>
-              <a:t>janvier 1, 2017</a:t>
+              <a:t>janvier 2, 2017</a:t>
             </a:fld>
             <a:endParaRPr lang="en-US"/>
           </a:p>
@@ -3841,7 +3926,7 @@
             <a:fld id="{76EEA923-9BEE-48CE-9F28-5B525F399BAD}" type="datetime4">
               <a:rPr lang="en-US" smtClean="0"/>
               <a:pPr/>
-              <a:t>janvier 1, 2017</a:t>
+              <a:t>janvier 2, 2017</a:t>
             </a:fld>
             <a:endParaRPr lang="en-US"/>
           </a:p>
@@ -4137,7 +4222,7 @@
             <a:fld id="{17D0EFEE-2756-4A20-BF2A-63F0A94F99AC}" type="datetime4">
               <a:rPr lang="en-US" smtClean="0"/>
               <a:pPr/>
-              <a:t>janvier 1, 2017</a:t>
+              <a:t>janvier 2, 2017</a:t>
             </a:fld>
             <a:endParaRPr lang="en-US" dirty="0"/>
           </a:p>
@@ -4701,13 +4786,6 @@
               </a:rPr>
               <a:t>Enseignant </a:t>
             </a:r>
-            <a:endParaRPr lang="fr-FR" b="1" dirty="0">
-              <a:solidFill>
-                <a:schemeClr val="tx2">
-                  <a:lumMod val="50000"/>
-                </a:schemeClr>
-              </a:solidFill>
-            </a:endParaRPr>
           </a:p>
           <a:p>
             <a:pPr algn="ctr"/>
@@ -4810,13 +4888,13 @@
   <p:clrMapOvr>
     <a:masterClrMapping/>
   </p:clrMapOvr>
-  <mc:AlternateContent xmlns:mc="http://schemas.openxmlformats.org/markup-compatibility/2006">
-    <mc:Choice xmlns:p14="http://schemas.microsoft.com/office/powerpoint/2010/main" Requires="p14">
+  <mc:AlternateContent xmlns:mc="http://schemas.openxmlformats.org/markup-compatibility/2006" xmlns:p14="http://schemas.microsoft.com/office/powerpoint/2010/main">
+    <mc:Choice Requires="p14">
       <p:transition spd="slow" p14:dur="1600">
         <p14:prism isContent="1" isInverted="1"/>
       </p:transition>
     </mc:Choice>
-    <mc:Fallback>
+    <mc:Fallback xmlns="">
       <p:transition xmlns:p14="http://schemas.microsoft.com/office/powerpoint/2010/main" spd="slow">
         <p:fade/>
       </p:transition>
@@ -4861,6 +4939,161 @@
         </p:nvSpPr>
         <p:spPr>
           <a:xfrm>
+            <a:off x="480291" y="314354"/>
+            <a:ext cx="7832436" cy="978737"/>
+          </a:xfrm>
+        </p:spPr>
+        <p:txBody>
+          <a:bodyPr>
+            <a:normAutofit fontScale="90000"/>
+          </a:bodyPr>
+          <a:lstStyle/>
+          <a:p>
+            <a:r>
+              <a:rPr lang="fr-FR" sz="3200" cap="none" dirty="0" smtClean="0"/>
+              <a:t>MON HISTORIQUE </a:t>
+            </a:r>
+            <a:r>
+              <a:rPr lang="fr-FR" sz="3200" cap="none" dirty="0"/>
+              <a:t>(DaysHistoryFragment)</a:t>
+            </a:r>
+            <a:r>
+              <a:rPr lang="fr-FR" sz="3200" cap="none" dirty="0" smtClean="0"/>
+              <a:t>	</a:t>
+            </a:r>
+            <a:endParaRPr lang="fr-FR" sz="3200" cap="none" dirty="0"/>
+          </a:p>
+        </p:txBody>
+      </p:sp>
+      <p:sp>
+        <p:nvSpPr>
+          <p:cNvPr id="9" name="ZoneTexte 8"/>
+          <p:cNvSpPr txBox="1"/>
+          <p:nvPr/>
+        </p:nvSpPr>
+        <p:spPr>
+          <a:xfrm>
+            <a:off x="738909" y="1502687"/>
+            <a:ext cx="3452091" cy="1477328"/>
+          </a:xfrm>
+          <a:prstGeom prst="rect">
+            <a:avLst/>
+          </a:prstGeom>
+          <a:noFill/>
+        </p:spPr>
+        <p:txBody>
+          <a:bodyPr wrap="square" rtlCol="0">
+            <a:spAutoFit/>
+          </a:bodyPr>
+          <a:lstStyle/>
+          <a:p>
+            <a:r>
+              <a:rPr lang="fr-FR" dirty="0" smtClean="0"/>
+              <a:t>Ce fragment permet d’afficher l’historique de toutes les journées notés par l’utilisateur.</a:t>
+            </a:r>
+            <a:endParaRPr lang="fr-FR" dirty="0"/>
+          </a:p>
+          <a:p>
+            <a:pPr marL="285750" indent="-285750">
+              <a:buFont typeface="Arial"/>
+              <a:buChar char="•"/>
+            </a:pPr>
+            <a:endParaRPr lang="fr-FR" dirty="0"/>
+          </a:p>
+          <a:p>
+            <a:endParaRPr lang="fr-FR" dirty="0"/>
+          </a:p>
+        </p:txBody>
+      </p:sp>
+      <p:pic>
+        <p:nvPicPr>
+          <p:cNvPr id="4" name="Espace réservé du contenu 3" descr="Capture d’écran 2017-01-28 à 15.26.41.png"/>
+          <p:cNvPicPr>
+            <a:picLocks noGrp="1" noChangeAspect="1"/>
+          </p:cNvPicPr>
+          <p:nvPr>
+            <p:ph idx="1"/>
+          </p:nvPr>
+        </p:nvPicPr>
+        <p:blipFill rotWithShape="1">
+          <a:blip r:embed="rId3">
+            <a:extLst>
+              <a:ext uri="{28A0092B-C50C-407E-A947-70E740481C1C}">
+                <a14:useLocalDpi xmlns:a14="http://schemas.microsoft.com/office/drawing/2010/main" val="0"/>
+              </a:ext>
+            </a:extLst>
+          </a:blip>
+          <a:srcRect l="390" r="1343"/>
+          <a:stretch/>
+        </p:blipFill>
+        <p:spPr>
+          <a:xfrm>
+            <a:off x="5668817" y="1614055"/>
+            <a:ext cx="2620819" cy="4373563"/>
+          </a:xfrm>
+        </p:spPr>
+      </p:pic>
+    </p:spTree>
+    <p:extLst>
+      <p:ext uri="{BB962C8B-B14F-4D97-AF65-F5344CB8AC3E}">
+        <p14:creationId xmlns:p14="http://schemas.microsoft.com/office/powerpoint/2010/main" val="2745222013"/>
+      </p:ext>
+    </p:extLst>
+  </p:cSld>
+  <p:clrMapOvr>
+    <a:masterClrMapping/>
+  </p:clrMapOvr>
+  <mc:AlternateContent xmlns:mc="http://schemas.openxmlformats.org/markup-compatibility/2006" xmlns:p14="http://schemas.microsoft.com/office/powerpoint/2010/main">
+    <mc:Choice Requires="p14">
+      <p:transition spd="slow" p14:dur="2500">
+        <p:checker/>
+      </p:transition>
+    </mc:Choice>
+    <mc:Fallback xmlns="">
+      <p:transition xmlns:p14="http://schemas.microsoft.com/office/powerpoint/2010/main" spd="slow">
+        <p:checker/>
+      </p:transition>
+    </mc:Fallback>
+  </mc:AlternateContent>
+  <p:timing>
+    <p:tnLst>
+      <p:par>
+        <p:cTn xmlns:p14="http://schemas.microsoft.com/office/powerpoint/2010/main" id="1" dur="indefinite" restart="never" nodeType="tmRoot"/>
+      </p:par>
+    </p:tnLst>
+  </p:timing>
+</p:sld>
+</file>
+
+<file path=ppt/slides/slide11.xml><?xml version="1.0" encoding="utf-8"?>
+<p:sld xmlns:a="http://schemas.openxmlformats.org/drawingml/2006/main" xmlns:r="http://schemas.openxmlformats.org/officeDocument/2006/relationships" xmlns:p="http://schemas.openxmlformats.org/presentationml/2006/main">
+  <p:cSld>
+    <p:spTree>
+      <p:nvGrpSpPr>
+        <p:cNvPr id="1" name=""/>
+        <p:cNvGrpSpPr/>
+        <p:nvPr/>
+      </p:nvGrpSpPr>
+      <p:grpSpPr>
+        <a:xfrm>
+          <a:off x="0" y="0"/>
+          <a:ext cx="0" cy="0"/>
+          <a:chOff x="0" y="0"/>
+          <a:chExt cx="0" cy="0"/>
+        </a:xfrm>
+      </p:grpSpPr>
+      <p:sp>
+        <p:nvSpPr>
+          <p:cNvPr id="2" name="Titre 1"/>
+          <p:cNvSpPr>
+            <a:spLocks noGrp="1"/>
+          </p:cNvSpPr>
+          <p:nvPr>
+            <p:ph type="title"/>
+          </p:nvPr>
+        </p:nvSpPr>
+        <p:spPr>
+          <a:xfrm>
             <a:off x="480290" y="314355"/>
             <a:ext cx="8455891" cy="736282"/>
           </a:xfrm>
@@ -4873,15 +5106,7 @@
           <a:p>
             <a:r>
               <a:rPr lang="fr-FR" sz="3200" cap="none" dirty="0" smtClean="0"/>
-              <a:t>D</a:t>
-            </a:r>
-            <a:r>
-              <a:rPr lang="fr-FR" sz="3200" cap="none" dirty="0" smtClean="0"/>
-              <a:t>ÉTAIL JOURNÉE  </a:t>
-            </a:r>
-            <a:r>
-              <a:rPr lang="fr-FR" sz="3200" cap="none" dirty="0" smtClean="0"/>
-              <a:t>(</a:t>
+              <a:t>DÉTAIL JOURNÉE  (</a:t>
             </a:r>
             <a:r>
               <a:rPr lang="fr-FR" sz="3200" cap="none" dirty="0" err="1"/>
@@ -5015,209 +5240,13 @@
   </p:clrMapOvr>
   <mc:AlternateContent xmlns:mc="http://schemas.openxmlformats.org/markup-compatibility/2006">
     <mc:Choice xmlns:p14="http://schemas.microsoft.com/office/powerpoint/2010/main" Requires="p14">
-      <p:transition spd="slow" p14:dur="3400">
+      <p:transition spd="slow">
         <p14:reveal dir="r"/>
       </p:transition>
     </mc:Choice>
     <mc:Fallback>
       <p:transition xmlns:p14="http://schemas.microsoft.com/office/powerpoint/2010/main" spd="slow">
         <p:fade/>
-      </p:transition>
-    </mc:Fallback>
-  </mc:AlternateContent>
-  <p:timing>
-    <p:tnLst>
-      <p:par>
-        <p:cTn xmlns:p14="http://schemas.microsoft.com/office/powerpoint/2010/main" id="1" dur="indefinite" restart="never" nodeType="tmRoot"/>
-      </p:par>
-    </p:tnLst>
-  </p:timing>
-</p:sld>
-</file>
-
-<file path=ppt/slides/slide11.xml><?xml version="1.0" encoding="utf-8"?>
-<p:sld xmlns:a="http://schemas.openxmlformats.org/drawingml/2006/main" xmlns:r="http://schemas.openxmlformats.org/officeDocument/2006/relationships" xmlns:p="http://schemas.openxmlformats.org/presentationml/2006/main">
-  <p:cSld>
-    <p:spTree>
-      <p:nvGrpSpPr>
-        <p:cNvPr id="1" name=""/>
-        <p:cNvGrpSpPr/>
-        <p:nvPr/>
-      </p:nvGrpSpPr>
-      <p:grpSpPr>
-        <a:xfrm>
-          <a:off x="0" y="0"/>
-          <a:ext cx="0" cy="0"/>
-          <a:chOff x="0" y="0"/>
-          <a:chExt cx="0" cy="0"/>
-        </a:xfrm>
-      </p:grpSpPr>
-      <p:sp>
-        <p:nvSpPr>
-          <p:cNvPr id="2" name="Titre 1"/>
-          <p:cNvSpPr>
-            <a:spLocks noGrp="1"/>
-          </p:cNvSpPr>
-          <p:nvPr>
-            <p:ph type="title"/>
-          </p:nvPr>
-        </p:nvSpPr>
-        <p:spPr>
-          <a:xfrm>
-            <a:off x="457200" y="152718"/>
-            <a:ext cx="7832436" cy="978737"/>
-          </a:xfrm>
-        </p:spPr>
-        <p:txBody>
-          <a:bodyPr>
-            <a:normAutofit/>
-          </a:bodyPr>
-          <a:lstStyle/>
-          <a:p>
-            <a:r>
-              <a:rPr lang="fr-FR" sz="3200" cap="none" dirty="0" smtClean="0"/>
-              <a:t>GRAPHE (</a:t>
-            </a:r>
-            <a:r>
-              <a:rPr lang="fr-FR" sz="3200" cap="none" dirty="0"/>
-              <a:t>GrapheFragment)</a:t>
-            </a:r>
-            <a:r>
-              <a:rPr lang="fr-FR" sz="3200" cap="none" dirty="0" smtClean="0"/>
-              <a:t>	</a:t>
-            </a:r>
-            <a:endParaRPr lang="fr-FR" sz="3200" cap="none" dirty="0"/>
-          </a:p>
-        </p:txBody>
-      </p:sp>
-      <p:sp>
-        <p:nvSpPr>
-          <p:cNvPr id="9" name="ZoneTexte 8"/>
-          <p:cNvSpPr txBox="1"/>
-          <p:nvPr/>
-        </p:nvSpPr>
-        <p:spPr>
-          <a:xfrm>
-            <a:off x="738909" y="1502687"/>
-            <a:ext cx="3452091" cy="2585323"/>
-          </a:xfrm>
-          <a:prstGeom prst="rect">
-            <a:avLst/>
-          </a:prstGeom>
-          <a:noFill/>
-        </p:spPr>
-        <p:txBody>
-          <a:bodyPr wrap="square" rtlCol="0">
-            <a:spAutoFit/>
-          </a:bodyPr>
-          <a:lstStyle/>
-          <a:p>
-            <a:r>
-              <a:rPr lang="fr-FR" dirty="0" smtClean="0"/>
-              <a:t>Le graphe représente les notes de toutes les journée.</a:t>
-            </a:r>
-          </a:p>
-          <a:p>
-            <a:endParaRPr lang="fr-FR" dirty="0"/>
-          </a:p>
-          <a:p>
-            <a:pPr marL="285750" indent="-285750">
-              <a:buFont typeface="Arial"/>
-              <a:buChar char="•"/>
-            </a:pPr>
-            <a:r>
-              <a:rPr lang="fr-FR" dirty="0" smtClean="0"/>
-              <a:t>J’ai utilisé une librairie </a:t>
-            </a:r>
-            <a:r>
-              <a:rPr lang="fr-FR" dirty="0" err="1" smtClean="0"/>
-              <a:t>openSource</a:t>
-            </a:r>
-            <a:r>
-              <a:rPr lang="fr-FR" dirty="0" smtClean="0"/>
-              <a:t> </a:t>
-            </a:r>
-            <a:r>
-              <a:rPr lang="fr-FR" dirty="0" err="1" smtClean="0"/>
-              <a:t>GrapheView</a:t>
-            </a:r>
-            <a:r>
-              <a:rPr lang="fr-FR" dirty="0" smtClean="0"/>
-              <a:t> que vous </a:t>
-            </a:r>
-            <a:r>
-              <a:rPr lang="fr-FR" dirty="0"/>
-              <a:t>pouvez trouver </a:t>
-            </a:r>
-            <a:r>
-              <a:rPr lang="fr-FR" dirty="0" smtClean="0"/>
-              <a:t>à http</a:t>
-            </a:r>
-            <a:r>
-              <a:rPr lang="fr-FR" dirty="0"/>
-              <a:t>://</a:t>
-            </a:r>
-            <a:r>
-              <a:rPr lang="fr-FR" dirty="0" err="1"/>
-              <a:t>www.android-graphview.org</a:t>
-            </a:r>
-            <a:r>
-              <a:rPr lang="fr-FR" dirty="0"/>
-              <a:t>/ </a:t>
-            </a:r>
-          </a:p>
-          <a:p>
-            <a:endParaRPr lang="fr-FR" dirty="0"/>
-          </a:p>
-        </p:txBody>
-      </p:sp>
-      <p:pic>
-        <p:nvPicPr>
-          <p:cNvPr id="5" name="Espace réservé du contenu 4" descr="Capture d’écran 2017-01-28 à 15.28.38.png"/>
-          <p:cNvPicPr>
-            <a:picLocks noGrp="1" noChangeAspect="1"/>
-          </p:cNvPicPr>
-          <p:nvPr>
-            <p:ph idx="1"/>
-          </p:nvPr>
-        </p:nvPicPr>
-        <p:blipFill rotWithShape="1">
-          <a:blip r:embed="rId3">
-            <a:extLst>
-              <a:ext uri="{28A0092B-C50C-407E-A947-70E740481C1C}">
-                <a14:useLocalDpi xmlns:a14="http://schemas.microsoft.com/office/drawing/2010/main" val="0"/>
-              </a:ext>
-            </a:extLst>
-          </a:blip>
-          <a:srcRect l="1476" r="1136"/>
-          <a:stretch/>
-        </p:blipFill>
-        <p:spPr>
-          <a:xfrm>
-            <a:off x="5495636" y="1502687"/>
-            <a:ext cx="2632364" cy="4373563"/>
-          </a:xfrm>
-        </p:spPr>
-      </p:pic>
-    </p:spTree>
-    <p:extLst>
-      <p:ext uri="{BB962C8B-B14F-4D97-AF65-F5344CB8AC3E}">
-        <p14:creationId xmlns:p14="http://schemas.microsoft.com/office/powerpoint/2010/main" val="2823296708"/>
-      </p:ext>
-    </p:extLst>
-  </p:cSld>
-  <p:clrMapOvr>
-    <a:masterClrMapping/>
-  </p:clrMapOvr>
-  <mc:AlternateContent xmlns:mc="http://schemas.openxmlformats.org/markup-compatibility/2006">
-    <mc:Choice xmlns:p14="http://schemas.microsoft.com/office/powerpoint/2010/main" Requires="p14">
-      <p:transition spd="slow" p14:dur="1200">
-        <p:dissolve/>
-      </p:transition>
-    </mc:Choice>
-    <mc:Fallback>
-      <p:transition xmlns:p14="http://schemas.microsoft.com/office/powerpoint/2010/main" spd="slow">
-        <p:dissolve/>
       </p:transition>
     </mc:Fallback>
   </mc:AlternateContent>
@@ -5272,15 +5301,11 @@
           <a:p>
             <a:r>
               <a:rPr lang="fr-FR" sz="3200" cap="none" dirty="0" smtClean="0"/>
-              <a:t>À</a:t>
-            </a:r>
-            <a:r>
-              <a:rPr lang="fr-FR" sz="3200" cap="none" dirty="0" smtClean="0"/>
-              <a:t> PROPOS (</a:t>
+              <a:t>GRAPHE (</a:t>
             </a:r>
             <a:r>
               <a:rPr lang="fr-FR" sz="3200" cap="none" dirty="0"/>
-              <a:t>AproposFragment)</a:t>
+              <a:t>GrapheFragment)</a:t>
             </a:r>
             <a:r>
               <a:rPr lang="fr-FR" sz="3200" cap="none" dirty="0" smtClean="0"/>
@@ -5312,6 +5337,12 @@
           </a:bodyPr>
           <a:lstStyle/>
           <a:p>
+            <a:r>
+              <a:rPr lang="fr-FR" dirty="0" smtClean="0"/>
+              <a:t>Le graphe représente les notes de toutes les journée.</a:t>
+            </a:r>
+          </a:p>
+          <a:p>
             <a:endParaRPr lang="fr-FR" dirty="0"/>
           </a:p>
           <a:p>
@@ -5320,33 +5351,54 @@
               <a:buChar char="•"/>
             </a:pPr>
             <a:r>
+              <a:rPr lang="fr-FR" dirty="0" smtClean="0"/>
+              <a:t>J’ai utilisé une librairie </a:t>
+            </a:r>
+            <a:r>
+              <a:rPr lang="fr-FR" dirty="0" err="1" smtClean="0"/>
+              <a:t>openSource</a:t>
+            </a:r>
+            <a:r>
+              <a:rPr lang="fr-FR" dirty="0" smtClean="0"/>
+              <a:t> </a:t>
+            </a:r>
+            <a:r>
+              <a:rPr lang="fr-FR" dirty="0" err="1" smtClean="0"/>
+              <a:t>GrapheView</a:t>
+            </a:r>
+            <a:r>
+              <a:rPr lang="fr-FR" dirty="0" smtClean="0"/>
+              <a:t> que vous </a:t>
+            </a:r>
+            <a:r>
               <a:rPr lang="fr-FR" dirty="0"/>
-              <a:t>S</a:t>
+              <a:t>pouvez trouver </a:t>
             </a:r>
             <a:r>
               <a:rPr lang="fr-FR" dirty="0" smtClean="0"/>
-              <a:t>ur cet écran on trouve des détails sur l’application, version, université et l’enseignant.</a:t>
-            </a:r>
-          </a:p>
-          <a:p>
-            <a:endParaRPr lang="fr-FR" dirty="0" smtClean="0"/>
-          </a:p>
-          <a:p>
-            <a:pPr marL="285750" indent="-285750">
-              <a:buFont typeface="Arial"/>
-              <a:buChar char="•"/>
-            </a:pPr>
-            <a:r>
-              <a:rPr lang="fr-FR" dirty="0" smtClean="0"/>
-              <a:t>Un bouton Email est disponible si l’utilisateur souhaite me contacter.</a:t>
-            </a:r>
+              <a:t>à http</a:t>
+            </a:r>
+            <a:r>
+              <a:rPr lang="fr-FR" dirty="0"/>
+              <a:t>://</a:t>
+            </a:r>
+            <a:r>
+              <a:rPr lang="fr-FR" dirty="0" err="1"/>
+              <a:t>www.android-graphview.org</a:t>
+            </a:r>
+            <a:r>
+              <a:rPr lang="fr-FR" dirty="0"/>
+              <a:t>/ </a:t>
+            </a:r>
+          </a:p>
+          <a:p>
             <a:endParaRPr lang="fr-FR" dirty="0"/>
           </a:p>
         </p:txBody>
       </p:sp>
       <p:pic>
         <p:nvPicPr>
-          <p:cNvPr id="4" name="Espace réservé du contenu 3" descr="Capture d’écran 2017-01-28 à 15.31.56.png"/>
+          <p:cNvPr id="5" name="Espace réservé du contenu 4" descr="Capture d’écran 2017-01-28 à 15.28.38.png"/>
           <p:cNvPicPr>
             <a:picLocks noGrp="1" noChangeAspect="1"/>
           </p:cNvPicPr>
@@ -5362,35 +5414,35 @@
               </a:ext>
             </a:extLst>
           </a:blip>
-          <a:srcRect l="650" r="478"/>
+          <a:srcRect l="1476" r="1136"/>
           <a:stretch/>
         </p:blipFill>
         <p:spPr>
           <a:xfrm>
-            <a:off x="5652654" y="1502687"/>
-            <a:ext cx="2636982" cy="4373563"/>
+            <a:off x="5495636" y="1502687"/>
+            <a:ext cx="2632364" cy="4373563"/>
           </a:xfrm>
         </p:spPr>
       </p:pic>
     </p:spTree>
     <p:extLst>
       <p:ext uri="{BB962C8B-B14F-4D97-AF65-F5344CB8AC3E}">
-        <p14:creationId xmlns:p14="http://schemas.microsoft.com/office/powerpoint/2010/main" val="3021615748"/>
+        <p14:creationId xmlns:p14="http://schemas.microsoft.com/office/powerpoint/2010/main" val="2823296708"/>
       </p:ext>
     </p:extLst>
   </p:cSld>
   <p:clrMapOvr>
     <a:masterClrMapping/>
   </p:clrMapOvr>
-  <mc:AlternateContent xmlns:mc="http://schemas.openxmlformats.org/markup-compatibility/2006">
-    <mc:Choice xmlns:p14="http://schemas.microsoft.com/office/powerpoint/2010/main" Requires="p14">
-      <p:transition spd="slow">
-        <p14:flash/>
+  <mc:AlternateContent xmlns:mc="http://schemas.openxmlformats.org/markup-compatibility/2006" xmlns:p14="http://schemas.microsoft.com/office/powerpoint/2010/main">
+    <mc:Choice Requires="p14">
+      <p:transition spd="slow" p14:dur="1200">
+        <p:dissolve/>
       </p:transition>
     </mc:Choice>
-    <mc:Fallback>
+    <mc:Fallback xmlns="">
       <p:transition xmlns:p14="http://schemas.microsoft.com/office/powerpoint/2010/main" spd="slow">
-        <p:fade/>
+        <p:dissolve/>
       </p:transition>
     </mc:Fallback>
   </mc:AlternateContent>
@@ -5433,6 +5485,175 @@
         </p:nvSpPr>
         <p:spPr>
           <a:xfrm>
+            <a:off x="457200" y="152718"/>
+            <a:ext cx="7832436" cy="978737"/>
+          </a:xfrm>
+        </p:spPr>
+        <p:txBody>
+          <a:bodyPr>
+            <a:normAutofit/>
+          </a:bodyPr>
+          <a:lstStyle/>
+          <a:p>
+            <a:r>
+              <a:rPr lang="fr-FR" sz="3200" cap="none" dirty="0" smtClean="0"/>
+              <a:t>À PROPOS (</a:t>
+            </a:r>
+            <a:r>
+              <a:rPr lang="fr-FR" sz="3200" cap="none" dirty="0"/>
+              <a:t>AproposFragment)</a:t>
+            </a:r>
+            <a:r>
+              <a:rPr lang="fr-FR" sz="3200" cap="none" dirty="0" smtClean="0"/>
+              <a:t>	</a:t>
+            </a:r>
+            <a:endParaRPr lang="fr-FR" sz="3200" cap="none" dirty="0"/>
+          </a:p>
+        </p:txBody>
+      </p:sp>
+      <p:sp>
+        <p:nvSpPr>
+          <p:cNvPr id="9" name="ZoneTexte 8"/>
+          <p:cNvSpPr txBox="1"/>
+          <p:nvPr/>
+        </p:nvSpPr>
+        <p:spPr>
+          <a:xfrm>
+            <a:off x="738909" y="1502687"/>
+            <a:ext cx="3452091" cy="2585323"/>
+          </a:xfrm>
+          <a:prstGeom prst="rect">
+            <a:avLst/>
+          </a:prstGeom>
+          <a:noFill/>
+        </p:spPr>
+        <p:txBody>
+          <a:bodyPr wrap="square" rtlCol="0">
+            <a:spAutoFit/>
+          </a:bodyPr>
+          <a:lstStyle/>
+          <a:p>
+            <a:endParaRPr lang="fr-FR" dirty="0"/>
+          </a:p>
+          <a:p>
+            <a:pPr marL="285750" indent="-285750">
+              <a:buFont typeface="Arial"/>
+              <a:buChar char="•"/>
+            </a:pPr>
+            <a:r>
+              <a:rPr lang="fr-FR" dirty="0"/>
+              <a:t>S</a:t>
+            </a:r>
+            <a:r>
+              <a:rPr lang="fr-FR" dirty="0" smtClean="0"/>
+              <a:t>ur cet écran on trouve des détails sur l’application, version, université et l’enseignant.</a:t>
+            </a:r>
+          </a:p>
+          <a:p>
+            <a:endParaRPr lang="fr-FR" dirty="0" smtClean="0"/>
+          </a:p>
+          <a:p>
+            <a:pPr marL="285750" indent="-285750">
+              <a:buFont typeface="Arial"/>
+              <a:buChar char="•"/>
+            </a:pPr>
+            <a:r>
+              <a:rPr lang="fr-FR" dirty="0" smtClean="0"/>
+              <a:t>Un bouton Email est disponible si l’utilisateur souhaite me contacter.</a:t>
+            </a:r>
+            <a:endParaRPr lang="fr-FR" dirty="0"/>
+          </a:p>
+        </p:txBody>
+      </p:sp>
+      <p:pic>
+        <p:nvPicPr>
+          <p:cNvPr id="4" name="Espace réservé du contenu 3" descr="Capture d’écran 2017-01-28 à 15.31.56.png"/>
+          <p:cNvPicPr>
+            <a:picLocks noGrp="1" noChangeAspect="1"/>
+          </p:cNvPicPr>
+          <p:nvPr>
+            <p:ph idx="1"/>
+          </p:nvPr>
+        </p:nvPicPr>
+        <p:blipFill rotWithShape="1">
+          <a:blip r:embed="rId3">
+            <a:extLst>
+              <a:ext uri="{28A0092B-C50C-407E-A947-70E740481C1C}">
+                <a14:useLocalDpi xmlns:a14="http://schemas.microsoft.com/office/drawing/2010/main" val="0"/>
+              </a:ext>
+            </a:extLst>
+          </a:blip>
+          <a:srcRect l="650" r="478"/>
+          <a:stretch/>
+        </p:blipFill>
+        <p:spPr>
+          <a:xfrm>
+            <a:off x="5652654" y="1502687"/>
+            <a:ext cx="2636982" cy="4373563"/>
+          </a:xfrm>
+        </p:spPr>
+      </p:pic>
+    </p:spTree>
+    <p:extLst>
+      <p:ext uri="{BB962C8B-B14F-4D97-AF65-F5344CB8AC3E}">
+        <p14:creationId xmlns:p14="http://schemas.microsoft.com/office/powerpoint/2010/main" val="3021615748"/>
+      </p:ext>
+    </p:extLst>
+  </p:cSld>
+  <p:clrMapOvr>
+    <a:masterClrMapping/>
+  </p:clrMapOvr>
+  <mc:AlternateContent xmlns:mc="http://schemas.openxmlformats.org/markup-compatibility/2006" xmlns:p14="http://schemas.microsoft.com/office/powerpoint/2010/main">
+    <mc:Choice Requires="p14">
+      <p:transition spd="slow">
+        <p14:flash/>
+      </p:transition>
+    </mc:Choice>
+    <mc:Fallback xmlns="">
+      <p:transition xmlns:p14="http://schemas.microsoft.com/office/powerpoint/2010/main" spd="slow">
+        <p:fade/>
+      </p:transition>
+    </mc:Fallback>
+  </mc:AlternateContent>
+  <p:timing>
+    <p:tnLst>
+      <p:par>
+        <p:cTn xmlns:p14="http://schemas.microsoft.com/office/powerpoint/2010/main" id="1" dur="indefinite" restart="never" nodeType="tmRoot"/>
+      </p:par>
+    </p:tnLst>
+  </p:timing>
+</p:sld>
+</file>
+
+<file path=ppt/slides/slide14.xml><?xml version="1.0" encoding="utf-8"?>
+<p:sld xmlns:a="http://schemas.openxmlformats.org/drawingml/2006/main" xmlns:r="http://schemas.openxmlformats.org/officeDocument/2006/relationships" xmlns:p="http://schemas.openxmlformats.org/presentationml/2006/main">
+  <p:cSld>
+    <p:spTree>
+      <p:nvGrpSpPr>
+        <p:cNvPr id="1" name=""/>
+        <p:cNvGrpSpPr/>
+        <p:nvPr/>
+      </p:nvGrpSpPr>
+      <p:grpSpPr>
+        <a:xfrm>
+          <a:off x="0" y="0"/>
+          <a:ext cx="0" cy="0"/>
+          <a:chOff x="0" y="0"/>
+          <a:chExt cx="0" cy="0"/>
+        </a:xfrm>
+      </p:grpSpPr>
+      <p:sp>
+        <p:nvSpPr>
+          <p:cNvPr id="2" name="Titre 1"/>
+          <p:cNvSpPr>
+            <a:spLocks noGrp="1"/>
+          </p:cNvSpPr>
+          <p:nvPr>
+            <p:ph type="title"/>
+          </p:nvPr>
+        </p:nvSpPr>
+        <p:spPr>
+          <a:xfrm>
             <a:off x="1253837" y="2634991"/>
             <a:ext cx="5791200" cy="1371600"/>
           </a:xfrm>
@@ -5460,13 +5681,13 @@
   <p:clrMapOvr>
     <a:masterClrMapping/>
   </p:clrMapOvr>
-  <mc:AlternateContent xmlns:mc="http://schemas.openxmlformats.org/markup-compatibility/2006">
-    <mc:Choice xmlns:p14="http://schemas.microsoft.com/office/powerpoint/2010/main" Requires="p14">
+  <mc:AlternateContent xmlns:mc="http://schemas.openxmlformats.org/markup-compatibility/2006" xmlns:p14="http://schemas.microsoft.com/office/powerpoint/2010/main">
+    <mc:Choice Requires="p14">
       <p:transition spd="slow" p14:dur="3900">
         <p14:glitter pattern="hexagon"/>
       </p:transition>
     </mc:Choice>
-    <mc:Fallback>
+    <mc:Fallback xmlns="">
       <p:transition xmlns:p14="http://schemas.microsoft.com/office/powerpoint/2010/main" spd="slow">
         <p:fade/>
       </p:transition>
@@ -5809,13 +6030,13 @@
   <p:clrMapOvr>
     <a:masterClrMapping/>
   </p:clrMapOvr>
-  <mc:AlternateContent xmlns:mc="http://schemas.openxmlformats.org/markup-compatibility/2006">
-    <mc:Choice xmlns:p14="http://schemas.microsoft.com/office/powerpoint/2010/main" Requires="p14">
+  <mc:AlternateContent xmlns:mc="http://schemas.openxmlformats.org/markup-compatibility/2006" xmlns:p14="http://schemas.microsoft.com/office/powerpoint/2010/main">
+    <mc:Choice Requires="p14">
       <p:transition spd="slow" p14:dur="800">
         <p:circle/>
       </p:transition>
     </mc:Choice>
-    <mc:Fallback>
+    <mc:Fallback xmlns="">
       <p:transition xmlns:p14="http://schemas.microsoft.com/office/powerpoint/2010/main" spd="slow">
         <p:circle/>
       </p:transition>
@@ -6250,13 +6471,13 @@
   <p:clrMapOvr>
     <a:masterClrMapping/>
   </p:clrMapOvr>
-  <mc:AlternateContent xmlns:mc="http://schemas.openxmlformats.org/markup-compatibility/2006">
-    <mc:Choice xmlns:p14="http://schemas.microsoft.com/office/powerpoint/2010/main" Requires="p14">
+  <mc:AlternateContent xmlns:mc="http://schemas.openxmlformats.org/markup-compatibility/2006" xmlns:p14="http://schemas.microsoft.com/office/powerpoint/2010/main">
+    <mc:Choice Requires="p14">
       <p:transition spd="slow" p14:dur="1200">
         <p:dissolve/>
       </p:transition>
     </mc:Choice>
-    <mc:Fallback>
+    <mc:Fallback xmlns="">
       <p:transition xmlns:p14="http://schemas.microsoft.com/office/powerpoint/2010/main" spd="slow">
         <p:dissolve/>
       </p:transition>
@@ -6273,6 +6494,270 @@
 </file>
 
 <file path=ppt/slides/slide6.xml><?xml version="1.0" encoding="utf-8"?>
+<p:sld xmlns:a="http://schemas.openxmlformats.org/drawingml/2006/main" xmlns:r="http://schemas.openxmlformats.org/officeDocument/2006/relationships" xmlns:p="http://schemas.openxmlformats.org/presentationml/2006/main">
+  <p:cSld>
+    <p:spTree>
+      <p:nvGrpSpPr>
+        <p:cNvPr id="1" name=""/>
+        <p:cNvGrpSpPr/>
+        <p:nvPr/>
+      </p:nvGrpSpPr>
+      <p:grpSpPr>
+        <a:xfrm>
+          <a:off x="0" y="0"/>
+          <a:ext cx="0" cy="0"/>
+          <a:chOff x="0" y="0"/>
+          <a:chExt cx="0" cy="0"/>
+        </a:xfrm>
+      </p:grpSpPr>
+      <p:sp>
+        <p:nvSpPr>
+          <p:cNvPr id="2" name="Titre 1"/>
+          <p:cNvSpPr>
+            <a:spLocks noGrp="1"/>
+          </p:cNvSpPr>
+          <p:nvPr>
+            <p:ph type="title"/>
+          </p:nvPr>
+        </p:nvSpPr>
+        <p:spPr>
+          <a:xfrm>
+            <a:off x="457200" y="152718"/>
+            <a:ext cx="7832436" cy="978737"/>
+          </a:xfrm>
+        </p:spPr>
+        <p:txBody>
+          <a:bodyPr>
+            <a:normAutofit/>
+          </a:bodyPr>
+          <a:lstStyle/>
+          <a:p>
+            <a:r>
+              <a:rPr lang="fr-FR" sz="3200" cap="none" dirty="0" smtClean="0"/>
+              <a:t>BASE DE DONN</a:t>
+            </a:r>
+            <a:r>
+              <a:rPr lang="fr-FR" sz="3200" cap="none" dirty="0" smtClean="0"/>
+              <a:t>ÉE</a:t>
+            </a:r>
+            <a:endParaRPr lang="fr-FR" sz="3200" cap="none" dirty="0"/>
+          </a:p>
+        </p:txBody>
+      </p:sp>
+      <p:sp>
+        <p:nvSpPr>
+          <p:cNvPr id="9" name="ZoneTexte 8"/>
+          <p:cNvSpPr txBox="1"/>
+          <p:nvPr/>
+        </p:nvSpPr>
+        <p:spPr>
+          <a:xfrm>
+            <a:off x="727364" y="1618672"/>
+            <a:ext cx="7285181" cy="1815882"/>
+          </a:xfrm>
+          <a:prstGeom prst="rect">
+            <a:avLst/>
+          </a:prstGeom>
+          <a:noFill/>
+        </p:spPr>
+        <p:txBody>
+          <a:bodyPr wrap="square" rtlCol="0">
+            <a:spAutoFit/>
+          </a:bodyPr>
+          <a:lstStyle/>
+          <a:p>
+            <a:r>
+              <a:rPr lang="fr-FR" sz="1600" dirty="0" smtClean="0"/>
+              <a:t>Pour la base de donnée, J’ai crée 3 classes :</a:t>
+            </a:r>
+          </a:p>
+          <a:p>
+            <a:endParaRPr lang="fr-FR" sz="1600" dirty="0" smtClean="0"/>
+          </a:p>
+          <a:p>
+            <a:pPr marL="285750" indent="-285750">
+              <a:buFont typeface="Arial"/>
+              <a:buChar char="•"/>
+            </a:pPr>
+            <a:r>
+              <a:rPr lang="fr-FR" sz="1600" b="1" dirty="0" smtClean="0"/>
+              <a:t>DBHelper</a:t>
+            </a:r>
+            <a:r>
+              <a:rPr lang="fr-FR" sz="1600" dirty="0" smtClean="0"/>
+              <a:t> </a:t>
+            </a:r>
+            <a:r>
+              <a:rPr lang="fr-FR" sz="1600" dirty="0"/>
+              <a:t>qui hérite de </a:t>
+            </a:r>
+            <a:r>
+              <a:rPr lang="fr-FR" sz="1600" b="1" i="1" dirty="0"/>
+              <a:t>SQLiteOpenHelper</a:t>
+            </a:r>
+            <a:r>
+              <a:rPr lang="fr-FR" sz="1600" dirty="0"/>
+              <a:t> </a:t>
+            </a:r>
+            <a:r>
+              <a:rPr lang="fr-FR" sz="1600" dirty="0" smtClean="0"/>
+              <a:t> qui permet la création des deux tables Day (journée) et </a:t>
+            </a:r>
+            <a:r>
+              <a:rPr lang="fr-FR" sz="1600" dirty="0" err="1" smtClean="0"/>
+              <a:t>CriteriaDay</a:t>
+            </a:r>
+            <a:r>
+              <a:rPr lang="fr-FR" sz="1600" dirty="0" smtClean="0"/>
+              <a:t> (Critère).</a:t>
+            </a:r>
+          </a:p>
+          <a:p>
+            <a:pPr marL="285750" indent="-285750">
+              <a:buFont typeface="Arial"/>
+              <a:buChar char="•"/>
+            </a:pPr>
+            <a:r>
+              <a:rPr lang="fr-FR" sz="1600" b="1" dirty="0" smtClean="0"/>
+              <a:t>DayDAO</a:t>
+            </a:r>
+            <a:r>
+              <a:rPr lang="fr-FR" sz="1600" dirty="0" smtClean="0"/>
+              <a:t> </a:t>
+            </a:r>
+            <a:r>
+              <a:rPr lang="fr-FR" sz="1600" dirty="0"/>
+              <a:t>pour la </a:t>
+            </a:r>
+            <a:r>
+              <a:rPr lang="fr-FR" sz="1600" dirty="0" smtClean="0"/>
+              <a:t>gestion </a:t>
+            </a:r>
+            <a:r>
+              <a:rPr lang="fr-FR" sz="1600" dirty="0"/>
+              <a:t>de la table </a:t>
+            </a:r>
+            <a:r>
+              <a:rPr lang="fr-FR" sz="1600" dirty="0" smtClean="0"/>
+              <a:t>Day.</a:t>
+            </a:r>
+            <a:endParaRPr lang="fr-FR" sz="1600" dirty="0"/>
+          </a:p>
+          <a:p>
+            <a:pPr marL="285750" indent="-285750">
+              <a:buFont typeface="Arial"/>
+              <a:buChar char="•"/>
+            </a:pPr>
+            <a:r>
+              <a:rPr lang="fr-FR" sz="1600" b="1" dirty="0" smtClean="0"/>
+              <a:t>CriteriaDayDAOpour</a:t>
+            </a:r>
+            <a:r>
+              <a:rPr lang="fr-FR" sz="1600" dirty="0" smtClean="0"/>
+              <a:t> </a:t>
+            </a:r>
+            <a:r>
+              <a:rPr lang="fr-FR" sz="1600" dirty="0"/>
+              <a:t>la </a:t>
+            </a:r>
+            <a:r>
+              <a:rPr lang="fr-FR" sz="1600" dirty="0" smtClean="0"/>
+              <a:t>gestion </a:t>
+            </a:r>
+            <a:r>
+              <a:rPr lang="fr-FR" sz="1600" dirty="0"/>
+              <a:t>de la table </a:t>
+            </a:r>
+            <a:r>
+              <a:rPr lang="fr-FR" sz="1600" dirty="0" err="1" smtClean="0"/>
+              <a:t>CriteriaDay</a:t>
+            </a:r>
+            <a:r>
+              <a:rPr lang="fr-FR" sz="1600" dirty="0" smtClean="0"/>
+              <a:t>.</a:t>
+            </a:r>
+            <a:endParaRPr lang="fr-FR" sz="2000" dirty="0" smtClean="0"/>
+          </a:p>
+          <a:p>
+            <a:pPr marL="285750" indent="-285750">
+              <a:buFont typeface="Arial"/>
+              <a:buChar char="•"/>
+            </a:pPr>
+            <a:endParaRPr lang="fr-FR" sz="1600" dirty="0"/>
+          </a:p>
+        </p:txBody>
+      </p:sp>
+      <p:pic>
+        <p:nvPicPr>
+          <p:cNvPr id="5" name="Image 4" descr="Macintosh HD:Users:abdelmadjidchaibi:Downloads:Document 1 (1).png"/>
+          <p:cNvPicPr/>
+          <p:nvPr/>
+        </p:nvPicPr>
+        <p:blipFill>
+          <a:blip r:embed="rId3">
+            <a:extLst>
+              <a:ext uri="{28A0092B-C50C-407E-A947-70E740481C1C}">
+                <a14:useLocalDpi xmlns:a14="http://schemas.microsoft.com/office/drawing/2010/main" val="0"/>
+              </a:ext>
+            </a:extLst>
+          </a:blip>
+          <a:srcRect/>
+          <a:stretch>
+            <a:fillRect/>
+          </a:stretch>
+        </p:blipFill>
+        <p:spPr bwMode="auto">
+          <a:xfrm>
+            <a:off x="1298863" y="3597305"/>
+            <a:ext cx="5715000" cy="3034665"/>
+          </a:xfrm>
+          <a:prstGeom prst="rect">
+            <a:avLst/>
+          </a:prstGeom>
+          <a:noFill/>
+          <a:ln>
+            <a:noFill/>
+          </a:ln>
+          <a:extLst>
+            <a:ext uri="{FAA26D3D-D897-4be2-8F04-BA451C77F1D7}">
+              <ma14:placeholderFlag xmlns:ma14="http://schemas.microsoft.com/office/mac/drawingml/2011/main"/>
+            </a:ext>
+          </a:extLst>
+        </p:spPr>
+      </p:pic>
+    </p:spTree>
+    <p:extLst>
+      <p:ext uri="{BB962C8B-B14F-4D97-AF65-F5344CB8AC3E}">
+        <p14:creationId xmlns:p14="http://schemas.microsoft.com/office/powerpoint/2010/main" val="2837688572"/>
+      </p:ext>
+    </p:extLst>
+  </p:cSld>
+  <p:clrMapOvr>
+    <a:masterClrMapping/>
+  </p:clrMapOvr>
+  <mc:AlternateContent xmlns:mc="http://schemas.openxmlformats.org/markup-compatibility/2006">
+    <mc:Choice xmlns:p14="http://schemas.microsoft.com/office/powerpoint/2010/main" Requires="p14">
+      <p:transition spd="slow" p14:dur="800">
+        <p14:prism/>
+      </p:transition>
+    </mc:Choice>
+    <mc:Fallback>
+      <p:transition xmlns:p14="http://schemas.microsoft.com/office/powerpoint/2010/main" spd="slow">
+        <p:fade/>
+      </p:transition>
+    </mc:Fallback>
+  </mc:AlternateContent>
+  <p:timing>
+    <p:tnLst>
+      <p:par>
+        <p:cTn xmlns:p14="http://schemas.microsoft.com/office/powerpoint/2010/main" id="1" dur="indefinite" restart="never" nodeType="tmRoot"/>
+      </p:par>
+    </p:tnLst>
+  </p:timing>
+</p:sld>
+</file>
+
+<file path=ppt/slides/slide7.xml><?xml version="1.0" encoding="utf-8"?>
 <p:sld xmlns:a="http://schemas.openxmlformats.org/drawingml/2006/main" xmlns:r="http://schemas.openxmlformats.org/officeDocument/2006/relationships" xmlns:p="http://schemas.openxmlformats.org/presentationml/2006/main">
   <p:cSld>
     <p:spTree>
@@ -6454,7 +6939,7 @@
 </p:sld>
 </file>
 
-<file path=ppt/slides/slide7.xml><?xml version="1.0" encoding="utf-8"?>
+<file path=ppt/slides/slide8.xml><?xml version="1.0" encoding="utf-8"?>
 <p:sld xmlns:a="http://schemas.openxmlformats.org/drawingml/2006/main" xmlns:r="http://schemas.openxmlformats.org/officeDocument/2006/relationships" xmlns:p="http://schemas.openxmlformats.org/presentationml/2006/main">
   <p:cSld>
     <p:spTree>
@@ -6661,7 +7146,7 @@
     <a:masterClrMapping/>
   </p:clrMapOvr>
   <p:transition xmlns:p14="http://schemas.microsoft.com/office/powerpoint/2010/main" spd="slow">
-    <p:wheel spokes="1"/>
+    <p:pull/>
   </p:transition>
   <p:timing>
     <p:tnLst>
@@ -6673,7 +7158,7 @@
 </p:sld>
 </file>
 
-<file path=ppt/slides/slide8.xml><?xml version="1.0" encoding="utf-8"?>
+<file path=ppt/slides/slide9.xml><?xml version="1.0" encoding="utf-8"?>
 <p:sld xmlns:a="http://schemas.openxmlformats.org/drawingml/2006/main" xmlns:r="http://schemas.openxmlformats.org/officeDocument/2006/relationships" xmlns:p="http://schemas.openxmlformats.org/presentationml/2006/main">
   <p:cSld>
     <p:spTree>
@@ -6912,170 +7397,15 @@
   <p:clrMapOvr>
     <a:masterClrMapping/>
   </p:clrMapOvr>
-  <mc:AlternateContent xmlns:mc="http://schemas.openxmlformats.org/markup-compatibility/2006">
-    <mc:Choice xmlns:p14="http://schemas.microsoft.com/office/powerpoint/2010/main" Requires="p14">
+  <mc:AlternateContent xmlns:mc="http://schemas.openxmlformats.org/markup-compatibility/2006" xmlns:p14="http://schemas.microsoft.com/office/powerpoint/2010/main">
+    <mc:Choice Requires="p14">
       <p:transition spd="slow" p14:dur="1600">
         <p:blinds dir="vert"/>
       </p:transition>
     </mc:Choice>
-    <mc:Fallback>
+    <mc:Fallback xmlns="">
       <p:transition xmlns:p14="http://schemas.microsoft.com/office/powerpoint/2010/main" spd="slow">
         <p:blinds dir="vert"/>
-      </p:transition>
-    </mc:Fallback>
-  </mc:AlternateContent>
-  <p:timing>
-    <p:tnLst>
-      <p:par>
-        <p:cTn xmlns:p14="http://schemas.microsoft.com/office/powerpoint/2010/main" id="1" dur="indefinite" restart="never" nodeType="tmRoot"/>
-      </p:par>
-    </p:tnLst>
-  </p:timing>
-</p:sld>
-</file>
-
-<file path=ppt/slides/slide9.xml><?xml version="1.0" encoding="utf-8"?>
-<p:sld xmlns:a="http://schemas.openxmlformats.org/drawingml/2006/main" xmlns:r="http://schemas.openxmlformats.org/officeDocument/2006/relationships" xmlns:p="http://schemas.openxmlformats.org/presentationml/2006/main">
-  <p:cSld>
-    <p:spTree>
-      <p:nvGrpSpPr>
-        <p:cNvPr id="1" name=""/>
-        <p:cNvGrpSpPr/>
-        <p:nvPr/>
-      </p:nvGrpSpPr>
-      <p:grpSpPr>
-        <a:xfrm>
-          <a:off x="0" y="0"/>
-          <a:ext cx="0" cy="0"/>
-          <a:chOff x="0" y="0"/>
-          <a:chExt cx="0" cy="0"/>
-        </a:xfrm>
-      </p:grpSpPr>
-      <p:sp>
-        <p:nvSpPr>
-          <p:cNvPr id="2" name="Titre 1"/>
-          <p:cNvSpPr>
-            <a:spLocks noGrp="1"/>
-          </p:cNvSpPr>
-          <p:nvPr>
-            <p:ph type="title"/>
-          </p:nvPr>
-        </p:nvSpPr>
-        <p:spPr>
-          <a:xfrm>
-            <a:off x="480291" y="314354"/>
-            <a:ext cx="7832436" cy="978737"/>
-          </a:xfrm>
-        </p:spPr>
-        <p:txBody>
-          <a:bodyPr>
-            <a:normAutofit fontScale="90000"/>
-          </a:bodyPr>
-          <a:lstStyle/>
-          <a:p>
-            <a:r>
-              <a:rPr lang="fr-FR" sz="3200" cap="none" dirty="0" smtClean="0"/>
-              <a:t>MON HISTORIQUE </a:t>
-            </a:r>
-            <a:r>
-              <a:rPr lang="fr-FR" sz="3200" cap="none" dirty="0"/>
-              <a:t>(DaysHistoryFragment)</a:t>
-            </a:r>
-            <a:r>
-              <a:rPr lang="fr-FR" sz="3200" cap="none" dirty="0" smtClean="0"/>
-              <a:t>	</a:t>
-            </a:r>
-            <a:endParaRPr lang="fr-FR" sz="3200" cap="none" dirty="0"/>
-          </a:p>
-        </p:txBody>
-      </p:sp>
-      <p:sp>
-        <p:nvSpPr>
-          <p:cNvPr id="9" name="ZoneTexte 8"/>
-          <p:cNvSpPr txBox="1"/>
-          <p:nvPr/>
-        </p:nvSpPr>
-        <p:spPr>
-          <a:xfrm>
-            <a:off x="738909" y="1502687"/>
-            <a:ext cx="3452091" cy="1477328"/>
-          </a:xfrm>
-          <a:prstGeom prst="rect">
-            <a:avLst/>
-          </a:prstGeom>
-          <a:noFill/>
-        </p:spPr>
-        <p:txBody>
-          <a:bodyPr wrap="square" rtlCol="0">
-            <a:spAutoFit/>
-          </a:bodyPr>
-          <a:lstStyle/>
-          <a:p>
-            <a:r>
-              <a:rPr lang="fr-FR" dirty="0" smtClean="0"/>
-              <a:t>Ce fragment permet d’afficher l’historique de toutes les journées notés par l’utilisateur.</a:t>
-            </a:r>
-            <a:endParaRPr lang="fr-FR" dirty="0"/>
-          </a:p>
-          <a:p>
-            <a:pPr marL="285750" indent="-285750">
-              <a:buFont typeface="Arial"/>
-              <a:buChar char="•"/>
-            </a:pPr>
-            <a:endParaRPr lang="fr-FR" dirty="0"/>
-          </a:p>
-          <a:p>
-            <a:endParaRPr lang="fr-FR" dirty="0"/>
-          </a:p>
-        </p:txBody>
-      </p:sp>
-      <p:pic>
-        <p:nvPicPr>
-          <p:cNvPr id="4" name="Espace réservé du contenu 3" descr="Capture d’écran 2017-01-28 à 15.26.41.png"/>
-          <p:cNvPicPr>
-            <a:picLocks noGrp="1" noChangeAspect="1"/>
-          </p:cNvPicPr>
-          <p:nvPr>
-            <p:ph idx="1"/>
-          </p:nvPr>
-        </p:nvPicPr>
-        <p:blipFill rotWithShape="1">
-          <a:blip r:embed="rId3">
-            <a:extLst>
-              <a:ext uri="{28A0092B-C50C-407E-A947-70E740481C1C}">
-                <a14:useLocalDpi xmlns:a14="http://schemas.microsoft.com/office/drawing/2010/main" val="0"/>
-              </a:ext>
-            </a:extLst>
-          </a:blip>
-          <a:srcRect l="390" r="1343"/>
-          <a:stretch/>
-        </p:blipFill>
-        <p:spPr>
-          <a:xfrm>
-            <a:off x="5668817" y="1614055"/>
-            <a:ext cx="2620819" cy="4373563"/>
-          </a:xfrm>
-        </p:spPr>
-      </p:pic>
-    </p:spTree>
-    <p:extLst>
-      <p:ext uri="{BB962C8B-B14F-4D97-AF65-F5344CB8AC3E}">
-        <p14:creationId xmlns:p14="http://schemas.microsoft.com/office/powerpoint/2010/main" val="2745222013"/>
-      </p:ext>
-    </p:extLst>
-  </p:cSld>
-  <p:clrMapOvr>
-    <a:masterClrMapping/>
-  </p:clrMapOvr>
-  <mc:AlternateContent xmlns:mc="http://schemas.openxmlformats.org/markup-compatibility/2006">
-    <mc:Choice xmlns:p14="http://schemas.microsoft.com/office/powerpoint/2010/main" Requires="p14">
-      <p:transition spd="slow" p14:dur="2500">
-        <p:checker/>
-      </p:transition>
-    </mc:Choice>
-    <mc:Fallback>
-      <p:transition xmlns:p14="http://schemas.microsoft.com/office/powerpoint/2010/main" spd="slow">
-        <p:checker/>
       </p:transition>
     </mc:Fallback>
   </mc:AlternateContent>
